--- a/teaching/expdes/lec5.pptx
+++ b/teaching/expdes/lec5.pptx
@@ -272,7 +272,7 @@
           <a:p>
             <a:fld id="{2B908699-CE29-634D-83B5-1061B2BD35A6}" type="datetimeFigureOut">
               <a:rPr lang="en-US" smtClean="0"/>
-              <a:t>1/9/18</a:t>
+              <a:t>1/11/18</a:t>
             </a:fld>
             <a:endParaRPr lang="en-US"/>
           </a:p>
@@ -442,7 +442,7 @@
           <a:p>
             <a:fld id="{2B908699-CE29-634D-83B5-1061B2BD35A6}" type="datetimeFigureOut">
               <a:rPr lang="en-US" smtClean="0"/>
-              <a:t>1/9/18</a:t>
+              <a:t>1/11/18</a:t>
             </a:fld>
             <a:endParaRPr lang="en-US"/>
           </a:p>
@@ -622,7 +622,7 @@
           <a:p>
             <a:fld id="{2B908699-CE29-634D-83B5-1061B2BD35A6}" type="datetimeFigureOut">
               <a:rPr lang="en-US" smtClean="0"/>
-              <a:t>1/9/18</a:t>
+              <a:t>1/11/18</a:t>
             </a:fld>
             <a:endParaRPr lang="en-US"/>
           </a:p>
@@ -799,7 +799,7 @@
           <a:p>
             <a:fld id="{2B908699-CE29-634D-83B5-1061B2BD35A6}" type="datetimeFigureOut">
               <a:rPr lang="en-US" smtClean="0"/>
-              <a:t>1/9/18</a:t>
+              <a:t>1/11/18</a:t>
             </a:fld>
             <a:endParaRPr lang="en-US"/>
           </a:p>
@@ -1045,7 +1045,7 @@
           <a:p>
             <a:fld id="{2B908699-CE29-634D-83B5-1061B2BD35A6}" type="datetimeFigureOut">
               <a:rPr lang="en-US" smtClean="0"/>
-              <a:t>1/9/18</a:t>
+              <a:t>1/11/18</a:t>
             </a:fld>
             <a:endParaRPr lang="en-US"/>
           </a:p>
@@ -1277,7 +1277,7 @@
           <a:p>
             <a:fld id="{2B908699-CE29-634D-83B5-1061B2BD35A6}" type="datetimeFigureOut">
               <a:rPr lang="en-US" smtClean="0"/>
-              <a:t>1/9/18</a:t>
+              <a:t>1/11/18</a:t>
             </a:fld>
             <a:endParaRPr lang="en-US"/>
           </a:p>
@@ -1644,7 +1644,7 @@
           <a:p>
             <a:fld id="{2B908699-CE29-634D-83B5-1061B2BD35A6}" type="datetimeFigureOut">
               <a:rPr lang="en-US" smtClean="0"/>
-              <a:t>1/9/18</a:t>
+              <a:t>1/11/18</a:t>
             </a:fld>
             <a:endParaRPr lang="en-US"/>
           </a:p>
@@ -1762,7 +1762,7 @@
           <a:p>
             <a:fld id="{2B908699-CE29-634D-83B5-1061B2BD35A6}" type="datetimeFigureOut">
               <a:rPr lang="en-US" smtClean="0"/>
-              <a:t>1/9/18</a:t>
+              <a:t>1/11/18</a:t>
             </a:fld>
             <a:endParaRPr lang="en-US"/>
           </a:p>
@@ -1857,7 +1857,7 @@
           <a:p>
             <a:fld id="{2B908699-CE29-634D-83B5-1061B2BD35A6}" type="datetimeFigureOut">
               <a:rPr lang="en-US" smtClean="0"/>
-              <a:t>1/9/18</a:t>
+              <a:t>1/11/18</a:t>
             </a:fld>
             <a:endParaRPr lang="en-US"/>
           </a:p>
@@ -2134,7 +2134,7 @@
           <a:p>
             <a:fld id="{2B908699-CE29-634D-83B5-1061B2BD35A6}" type="datetimeFigureOut">
               <a:rPr lang="en-US" smtClean="0"/>
-              <a:t>1/9/18</a:t>
+              <a:t>1/11/18</a:t>
             </a:fld>
             <a:endParaRPr lang="en-US"/>
           </a:p>
@@ -2387,7 +2387,7 @@
           <a:p>
             <a:fld id="{2B908699-CE29-634D-83B5-1061B2BD35A6}" type="datetimeFigureOut">
               <a:rPr lang="en-US" smtClean="0"/>
-              <a:t>1/9/18</a:t>
+              <a:t>1/11/18</a:t>
             </a:fld>
             <a:endParaRPr lang="en-US"/>
           </a:p>
@@ -2600,7 +2600,7 @@
           <a:p>
             <a:fld id="{2B908699-CE29-634D-83B5-1061B2BD35A6}" type="datetimeFigureOut">
               <a:rPr lang="en-US" smtClean="0"/>
-              <a:t>1/9/18</a:t>
+              <a:t>1/11/18</a:t>
             </a:fld>
             <a:endParaRPr lang="en-US"/>
           </a:p>
@@ -3042,10 +3042,6 @@
               <a:rPr lang="en-US" dirty="0" smtClean="0"/>
               <a:t>Continuous Variables</a:t>
             </a:r>
-            <a:r>
-              <a:rPr lang="en-US" dirty="0" smtClean="0"/>
-              <a:t/>
-            </a:r>
             <a:br>
               <a:rPr lang="en-US" dirty="0" smtClean="0"/>
             </a:br>
@@ -3065,15 +3061,7 @@
             </a:br>
             <a:r>
               <a:rPr lang="en-US" sz="4000" dirty="0" smtClean="0"/>
-              <a:t>Lecture </a:t>
-            </a:r>
-            <a:r>
-              <a:rPr lang="en-US" sz="4000" dirty="0" smtClean="0"/>
-              <a:t>5</a:t>
-            </a:r>
-            <a:r>
-              <a:rPr lang="en-US" sz="4000" dirty="0" smtClean="0"/>
-              <a:t/>
+              <a:t>Lecture 5</a:t>
             </a:r>
             <a:br>
               <a:rPr lang="en-US" sz="4000" dirty="0" smtClean="0"/>
@@ -3275,8 +3263,8 @@
           </a:p>
         </p:txBody>
       </p:sp>
-      <mc:AlternateContent xmlns:mc="http://schemas.openxmlformats.org/markup-compatibility/2006">
-        <mc:Choice xmlns:a14="http://schemas.microsoft.com/office/drawing/2010/main" Requires="a14">
+      <mc:AlternateContent xmlns:mc="http://schemas.openxmlformats.org/markup-compatibility/2006" xmlns:a14="http://schemas.microsoft.com/office/drawing/2010/main">
+        <mc:Choice Requires="a14">
           <p:sp>
             <p:nvSpPr>
               <p:cNvPr id="8" name="TextBox 7"/>
@@ -3299,6 +3287,7 @@
               </a:bodyPr>
               <a:lstStyle/>
               <a:p>
+                <a:pPr/>
                 <a14:m>
                   <m:oMathPara xmlns:m="http://schemas.openxmlformats.org/officeDocument/2006/math">
                     <m:oMathParaPr>
@@ -3381,7 +3370,7 @@
             </p:txBody>
           </p:sp>
         </mc:Choice>
-        <mc:Fallback>
+        <mc:Fallback xmlns="">
           <p:sp>
             <p:nvSpPr>
               <p:cNvPr id="8" name="TextBox 7"/>
@@ -3480,8 +3469,8 @@
           </a:prstGeom>
         </p:spPr>
       </p:pic>
-      <mc:AlternateContent xmlns:mc="http://schemas.openxmlformats.org/markup-compatibility/2006">
-        <mc:Choice xmlns:a14="http://schemas.microsoft.com/office/drawing/2010/main" Requires="a14">
+      <mc:AlternateContent xmlns:mc="http://schemas.openxmlformats.org/markup-compatibility/2006" xmlns:a14="http://schemas.microsoft.com/office/drawing/2010/main">
+        <mc:Choice Requires="a14">
           <p:sp>
             <p:nvSpPr>
               <p:cNvPr id="10" name="Rectangle 9"/>
@@ -3503,6 +3492,7 @@
               </a:bodyPr>
               <a:lstStyle/>
               <a:p>
+                <a:pPr/>
                 <a14:m>
                   <m:oMathPara xmlns:m="http://schemas.openxmlformats.org/officeDocument/2006/math">
                     <m:oMathParaPr>
@@ -3698,7 +3688,7 @@
             </p:txBody>
           </p:sp>
         </mc:Choice>
-        <mc:Fallback>
+        <mc:Fallback xmlns="">
           <p:sp>
             <p:nvSpPr>
               <p:cNvPr id="10" name="Rectangle 9"/>
@@ -4469,7 +4459,6 @@
               <a:rPr lang="en-US" sz="3200" dirty="0" smtClean="0"/>
               <a:t>Some experiments might focus on differences in variance.  Think about newts and sexual selection.</a:t>
             </a:r>
-            <a:endParaRPr lang="en-US" sz="3200" dirty="0" smtClean="0"/>
           </a:p>
           <a:p>
             <a:endParaRPr lang="en-US" sz="2400" dirty="0"/>
@@ -4663,7 +4652,7 @@
         <p:spPr>
           <a:xfrm>
             <a:off x="237995" y="1161821"/>
-            <a:ext cx="11732332" cy="4401205"/>
+            <a:ext cx="6424062" cy="5016758"/>
           </a:xfrm>
           <a:prstGeom prst="rect">
             <a:avLst/>
@@ -4685,7 +4674,31 @@
             </a:r>
             <a:r>
               <a:rPr lang="en-US" sz="3200" dirty="0" smtClean="0"/>
-              <a:t> test works by calculating the mean of each group and then comparing the deviations of individuals in each group from these means to calculate a </a:t>
+              <a:t> test works by calculating </a:t>
+            </a:r>
+            <a:r>
+              <a:rPr lang="en-US" sz="3200" dirty="0" smtClean="0"/>
+              <a:t>a </a:t>
+            </a:r>
+            <a:r>
+              <a:rPr lang="en-US" sz="3200" dirty="0" err="1" smtClean="0"/>
+              <a:t>cetnral</a:t>
+            </a:r>
+            <a:r>
+              <a:rPr lang="en-US" sz="3200" dirty="0" smtClean="0"/>
+              <a:t> value for each </a:t>
+            </a:r>
+            <a:r>
+              <a:rPr lang="en-US" sz="3200" dirty="0" smtClean="0"/>
+              <a:t>group and then comparing the deviations of individuals in each group from these </a:t>
+            </a:r>
+            <a:r>
+              <a:rPr lang="en-US" sz="3200" dirty="0" smtClean="0"/>
+              <a:t>to </a:t>
+            </a:r>
+            <a:r>
+              <a:rPr lang="en-US" sz="3200" dirty="0" smtClean="0"/>
+              <a:t>calculate a </a:t>
             </a:r>
             <a:r>
               <a:rPr lang="en-US" sz="3200" i="1" dirty="0" smtClean="0"/>
@@ -4693,7 +4706,11 @@
             </a:r>
             <a:r>
               <a:rPr lang="en-US" sz="3200" dirty="0" smtClean="0"/>
-              <a:t> statistic.</a:t>
+              <a:t> statistic</a:t>
+            </a:r>
+            <a:r>
+              <a:rPr lang="en-US" sz="3200" dirty="0" smtClean="0"/>
+              <a:t>.</a:t>
             </a:r>
           </a:p>
           <a:p>
@@ -4709,25 +4726,28 @@
               <a:buChar char="•"/>
             </a:pPr>
             <a:r>
-              <a:rPr lang="en-US" sz="3200" dirty="0" err="1" smtClean="0"/>
-              <a:t>Levene’s</a:t>
-            </a:r>
-            <a:r>
               <a:rPr lang="en-US" sz="3200" dirty="0" smtClean="0"/>
-              <a:t> test is implemented in the R package </a:t>
-            </a:r>
-            <a:r>
-              <a:rPr lang="en-US" sz="3200" dirty="0" smtClean="0">
-                <a:latin typeface="Andale Mono" charset="0"/>
-                <a:ea typeface="Andale Mono" charset="0"/>
-                <a:cs typeface="Andale Mono" charset="0"/>
-              </a:rPr>
-              <a:t>car</a:t>
-            </a:r>
+              <a:t>Compared to a F distribution</a:t>
+            </a:r>
+            <a:endParaRPr lang="en-US" sz="3200" dirty="0"/>
+          </a:p>
+          <a:p>
+            <a:pPr marL="457200" indent="-457200">
+              <a:buFont typeface="Arial" charset="0"/>
+              <a:buChar char="•"/>
+            </a:pPr>
+            <a:endParaRPr lang="en-US" sz="3200" dirty="0" smtClean="0"/>
+          </a:p>
+          <a:p>
+            <a:pPr marL="457200" indent="-457200">
+              <a:buFont typeface="Arial" charset="0"/>
+              <a:buChar char="•"/>
+            </a:pPr>
             <a:r>
               <a:rPr lang="en-US" sz="3200" dirty="0" smtClean="0"/>
-              <a:t>.</a:t>
-            </a:r>
+              <a:t>Implementation</a:t>
+            </a:r>
+            <a:endParaRPr lang="en-US" sz="3200" dirty="0" smtClean="0"/>
           </a:p>
           <a:p>
             <a:pPr marL="457200" indent="-457200">
@@ -4736,22 +4756,98 @@
             </a:pPr>
             <a:endParaRPr lang="en-US" sz="3200" dirty="0"/>
           </a:p>
-          <a:p>
-            <a:pPr marL="457200" indent="-457200">
-              <a:buFont typeface="Arial" charset="0"/>
-              <a:buChar char="•"/>
-            </a:pPr>
-            <a:r>
-              <a:rPr lang="en-US" sz="3200" dirty="0" smtClean="0"/>
-              <a:t>Lets use Levine’s test to work through the example of sexual selection in the newt data.</a:t>
-            </a:r>
-            <a:endParaRPr lang="en-US" sz="3200" dirty="0" smtClean="0"/>
-          </a:p>
-          <a:p>
-            <a:endParaRPr lang="en-US" sz="2400" dirty="0"/>
-          </a:p>
-        </p:txBody>
-      </p:sp>
+        </p:txBody>
+      </p:sp>
+      <p:pic>
+        <p:nvPicPr>
+          <p:cNvPr id="3" name="Picture 2"/>
+          <p:cNvPicPr>
+            <a:picLocks noChangeAspect="1"/>
+          </p:cNvPicPr>
+          <p:nvPr/>
+        </p:nvPicPr>
+        <p:blipFill>
+          <a:blip r:embed="rId2">
+            <a:extLst>
+              <a:ext uri="{28A0092B-C50C-407E-A947-70E740481C1C}">
+                <a14:useLocalDpi xmlns:a14="http://schemas.microsoft.com/office/drawing/2010/main" val="0"/>
+              </a:ext>
+            </a:extLst>
+          </a:blip>
+          <a:stretch>
+            <a:fillRect/>
+          </a:stretch>
+        </p:blipFill>
+        <p:spPr>
+          <a:xfrm>
+            <a:off x="6561096" y="4546343"/>
+            <a:ext cx="2761034" cy="923673"/>
+          </a:xfrm>
+          <a:prstGeom prst="rect">
+            <a:avLst/>
+          </a:prstGeom>
+        </p:spPr>
+      </p:pic>
+      <p:pic>
+        <p:nvPicPr>
+          <p:cNvPr id="5" name="Picture 4"/>
+          <p:cNvPicPr>
+            <a:picLocks noChangeAspect="1"/>
+          </p:cNvPicPr>
+          <p:nvPr/>
+        </p:nvPicPr>
+        <p:blipFill>
+          <a:blip r:embed="rId3">
+            <a:extLst>
+              <a:ext uri="{28A0092B-C50C-407E-A947-70E740481C1C}">
+                <a14:useLocalDpi xmlns:a14="http://schemas.microsoft.com/office/drawing/2010/main" val="0"/>
+              </a:ext>
+            </a:extLst>
+          </a:blip>
+          <a:stretch>
+            <a:fillRect/>
+          </a:stretch>
+        </p:blipFill>
+        <p:spPr>
+          <a:xfrm>
+            <a:off x="6561096" y="1161821"/>
+            <a:ext cx="2926094" cy="3214582"/>
+          </a:xfrm>
+          <a:prstGeom prst="rect">
+            <a:avLst/>
+          </a:prstGeom>
+        </p:spPr>
+      </p:pic>
+      <p:pic>
+        <p:nvPicPr>
+          <p:cNvPr id="6" name="Picture 5"/>
+          <p:cNvPicPr>
+            <a:picLocks noChangeAspect="1"/>
+          </p:cNvPicPr>
+          <p:nvPr/>
+        </p:nvPicPr>
+        <p:blipFill>
+          <a:blip r:embed="rId4">
+            <a:extLst>
+              <a:ext uri="{28A0092B-C50C-407E-A947-70E740481C1C}">
+                <a14:useLocalDpi xmlns:a14="http://schemas.microsoft.com/office/drawing/2010/main" val="0"/>
+              </a:ext>
+            </a:extLst>
+          </a:blip>
+          <a:stretch>
+            <a:fillRect/>
+          </a:stretch>
+        </p:blipFill>
+        <p:spPr>
+          <a:xfrm>
+            <a:off x="6561096" y="5470016"/>
+            <a:ext cx="5630904" cy="1134002"/>
+          </a:xfrm>
+          <a:prstGeom prst="rect">
+            <a:avLst/>
+          </a:prstGeom>
+        </p:spPr>
+      </p:pic>
     </p:spTree>
     <p:extLst>
       <p:ext uri="{BB962C8B-B14F-4D97-AF65-F5344CB8AC3E}">
@@ -5819,7 +5915,6 @@
               <a:rPr lang="en-US" sz="4000" dirty="0" smtClean="0"/>
               <a:t>.</a:t>
             </a:r>
-            <a:endParaRPr lang="en-US" sz="4000" dirty="0" smtClean="0"/>
           </a:p>
           <a:p>
             <a:pPr marL="742950" indent="-742950">
@@ -5835,11 +5930,7 @@
             </a:pPr>
             <a:r>
               <a:rPr lang="en-US" sz="4000" dirty="0" smtClean="0"/>
-              <a:t>Give </a:t>
-            </a:r>
-            <a:r>
-              <a:rPr lang="en-US" sz="4000" dirty="0" smtClean="0"/>
-              <a:t>an example of an experiment from your own field where you could use a binomial or chi square tests</a:t>
+              <a:t>Give an example of an experiment from your own field where you could use a binomial or chi square tests</a:t>
             </a:r>
             <a:endParaRPr lang="en-US" sz="2800" dirty="0"/>
           </a:p>
@@ -8473,7 +8564,6 @@
               <a:rPr lang="en-US" sz="2400" b="1" dirty="0" smtClean="0"/>
               <a:t>Name a type of continuous data from your own field</a:t>
             </a:r>
-            <a:endParaRPr lang="en-US" sz="2400" b="1" dirty="0" smtClean="0"/>
           </a:p>
           <a:p>
             <a:endParaRPr lang="en-US" sz="2400" b="1" dirty="0" smtClean="0"/>
@@ -9431,11 +9521,6 @@
               </a:rPr>
               <a:t>T distribution</a:t>
             </a:r>
-            <a:endParaRPr lang="en-US" b="1" dirty="0">
-              <a:solidFill>
-                <a:schemeClr val="bg1"/>
-              </a:solidFill>
-            </a:endParaRPr>
           </a:p>
         </p:txBody>
       </p:sp>
@@ -9580,11 +9665,6 @@
               </a:rPr>
               <a:t>One-sample t-test</a:t>
             </a:r>
-            <a:endParaRPr lang="en-US" b="1" dirty="0">
-              <a:solidFill>
-                <a:schemeClr val="bg1"/>
-              </a:solidFill>
-            </a:endParaRPr>
           </a:p>
         </p:txBody>
       </p:sp>
@@ -9645,7 +9725,6 @@
               <a:rPr lang="en-US" sz="2400" dirty="0"/>
               <a:t>variable is normally distributed in the population </a:t>
             </a:r>
-            <a:endParaRPr lang="en-US" sz="2400" dirty="0"/>
           </a:p>
           <a:p>
             <a:pPr marL="342900" indent="-342900">
@@ -9766,8 +9845,8 @@
           </a:prstGeom>
         </p:spPr>
       </p:pic>
-      <mc:AlternateContent xmlns:mc="http://schemas.openxmlformats.org/markup-compatibility/2006">
-        <mc:Choice xmlns:a14="http://schemas.microsoft.com/office/drawing/2010/main" Requires="a14">
+      <mc:AlternateContent xmlns:mc="http://schemas.openxmlformats.org/markup-compatibility/2006" xmlns:a14="http://schemas.microsoft.com/office/drawing/2010/main">
+        <mc:Choice Requires="a14">
           <p:sp>
             <p:nvSpPr>
               <p:cNvPr id="8" name="TextBox 7"/>
@@ -9790,6 +9869,7 @@
               </a:bodyPr>
               <a:lstStyle/>
               <a:p>
+                <a:pPr/>
                 <a14:m>
                   <m:oMathPara xmlns:m="http://schemas.openxmlformats.org/officeDocument/2006/math">
                     <m:oMathParaPr>
@@ -9878,7 +9958,7 @@
             </p:txBody>
           </p:sp>
         </mc:Choice>
-        <mc:Fallback>
+        <mc:Fallback xmlns="">
           <p:sp>
             <p:nvSpPr>
               <p:cNvPr id="8" name="TextBox 7"/>
@@ -10282,7 +10362,6 @@
               <a:rPr lang="en-US" sz="2400" dirty="0"/>
               <a:t>variable is normally distributed in the population </a:t>
             </a:r>
-            <a:endParaRPr lang="en-US" sz="2400" dirty="0"/>
           </a:p>
           <a:p>
             <a:pPr marL="342900" indent="-342900">
@@ -10403,8 +10482,8 @@
           </a:prstGeom>
         </p:spPr>
       </p:pic>
-      <mc:AlternateContent xmlns:mc="http://schemas.openxmlformats.org/markup-compatibility/2006">
-        <mc:Choice xmlns:a14="http://schemas.microsoft.com/office/drawing/2010/main" Requires="a14">
+      <mc:AlternateContent xmlns:mc="http://schemas.openxmlformats.org/markup-compatibility/2006" xmlns:a14="http://schemas.microsoft.com/office/drawing/2010/main">
+        <mc:Choice Requires="a14">
           <p:sp>
             <p:nvSpPr>
               <p:cNvPr id="8" name="TextBox 7"/>
@@ -10427,6 +10506,7 @@
               </a:bodyPr>
               <a:lstStyle/>
               <a:p>
+                <a:pPr/>
                 <a14:m>
                   <m:oMathPara xmlns:m="http://schemas.openxmlformats.org/officeDocument/2006/math">
                     <m:oMathParaPr>
@@ -10515,7 +10595,7 @@
             </p:txBody>
           </p:sp>
         </mc:Choice>
-        <mc:Fallback>
+        <mc:Fallback xmlns="">
           <p:sp>
             <p:nvSpPr>
               <p:cNvPr id="8" name="TextBox 7"/>
@@ -10948,8 +11028,8 @@
           </a:p>
         </p:txBody>
       </p:sp>
-      <mc:AlternateContent xmlns:mc="http://schemas.openxmlformats.org/markup-compatibility/2006">
-        <mc:Choice xmlns:a14="http://schemas.microsoft.com/office/drawing/2010/main" Requires="a14">
+      <mc:AlternateContent xmlns:mc="http://schemas.openxmlformats.org/markup-compatibility/2006" xmlns:a14="http://schemas.microsoft.com/office/drawing/2010/main">
+        <mc:Choice Requires="a14">
           <p:sp>
             <p:nvSpPr>
               <p:cNvPr id="8" name="TextBox 7"/>
@@ -10972,6 +11052,7 @@
               </a:bodyPr>
               <a:lstStyle/>
               <a:p>
+                <a:pPr/>
                 <a14:m>
                   <m:oMathPara xmlns:m="http://schemas.openxmlformats.org/officeDocument/2006/math">
                     <m:oMathParaPr>
@@ -11263,7 +11344,7 @@
             </p:txBody>
           </p:sp>
         </mc:Choice>
-        <mc:Fallback>
+        <mc:Fallback xmlns="">
           <p:sp>
             <p:nvSpPr>
               <p:cNvPr id="8" name="TextBox 7"/>

--- a/teaching/expdes/lec5.pptx
+++ b/teaching/expdes/lec5.pptx
@@ -3486,6 +3486,35 @@
           </a:p>
         </p:txBody>
       </p:sp>
+      <p:pic>
+        <p:nvPicPr>
+          <p:cNvPr id="4" name="Picture 3">
+            <a:extLst>
+              <a:ext uri="{FF2B5EF4-FFF2-40B4-BE49-F238E27FC236}">
+                <a16:creationId xmlns:a16="http://schemas.microsoft.com/office/drawing/2014/main" id="{31EB5E1E-AEEE-3845-9E17-3DBB41DFE713}"/>
+              </a:ext>
+            </a:extLst>
+          </p:cNvPr>
+          <p:cNvPicPr>
+            <a:picLocks noChangeAspect="1"/>
+          </p:cNvPicPr>
+          <p:nvPr/>
+        </p:nvPicPr>
+        <p:blipFill rotWithShape="1">
+          <a:blip r:embed="rId3"/>
+          <a:srcRect t="6808" r="6500"/>
+          <a:stretch/>
+        </p:blipFill>
+        <p:spPr>
+          <a:xfrm>
+            <a:off x="4712726" y="2347889"/>
+            <a:ext cx="6679622" cy="4260874"/>
+          </a:xfrm>
+          <a:prstGeom prst="rect">
+            <a:avLst/>
+          </a:prstGeom>
+        </p:spPr>
+      </p:pic>
     </p:spTree>
     <p:extLst>
       <p:ext uri="{BB962C8B-B14F-4D97-AF65-F5344CB8AC3E}">
@@ -7950,7 +7979,7 @@
         <p:spPr>
           <a:xfrm>
             <a:off x="258184" y="1762460"/>
-            <a:ext cx="11629016" cy="3170099"/>
+            <a:ext cx="11629016" cy="2554545"/>
           </a:xfrm>
           <a:prstGeom prst="rect">
             <a:avLst/>
@@ -7968,7 +7997,7 @@
             </a:pPr>
             <a:r>
               <a:rPr lang="en-US" sz="4000" dirty="0"/>
-              <a:t>What test do we use for proportion data?</a:t>
+              <a:t>No when and how to apply both the binomial and chi square test.</a:t>
             </a:r>
           </a:p>
           <a:p>
@@ -7976,20 +8005,9 @@
               <a:buFont typeface="+mj-lt"/>
               <a:buAutoNum type="arabicPeriod"/>
             </a:pPr>
-            <a:endParaRPr lang="en-US" sz="4000" dirty="0"/>
-          </a:p>
-          <a:p>
-            <a:pPr marL="742950" indent="-742950">
-              <a:buFont typeface="+mj-lt"/>
-              <a:buAutoNum type="arabicPeriod"/>
-            </a:pPr>
             <a:r>
               <a:rPr lang="en-US" sz="4000" dirty="0"/>
-              <a:t>Give an example of an experiment from your own field where you could use a binomial or chi </a:t>
-            </a:r>
-            <a:r>
-              <a:rPr lang="en-US" sz="4000"/>
-              <a:t>square tests.</a:t>
+              <a:t>Now how to use Bayes theorem and what a prior is and how we use it. </a:t>
             </a:r>
             <a:endParaRPr lang="en-US" sz="2800" dirty="0"/>
           </a:p>

--- a/teaching/expdes/lec5.pptx
+++ b/teaching/expdes/lec5.pptx
@@ -229,7 +229,7 @@
           <a:p>
             <a:fld id="{009B6438-ED5F-4C48-B171-34A9EC2EB9C8}" type="datetimeFigureOut">
               <a:rPr lang="en-US" smtClean="0"/>
-              <a:t>2/11/20</a:t>
+              <a:t>2/20/20</a:t>
             </a:fld>
             <a:endParaRPr lang="en-US"/>
           </a:p>
@@ -709,7 +709,7 @@
           <a:p>
             <a:fld id="{2B908699-CE29-634D-83B5-1061B2BD35A6}" type="datetimeFigureOut">
               <a:rPr lang="en-US" smtClean="0"/>
-              <a:t>2/11/20</a:t>
+              <a:t>2/20/20</a:t>
             </a:fld>
             <a:endParaRPr lang="en-US"/>
           </a:p>
@@ -877,7 +877,7 @@
           <a:p>
             <a:fld id="{2B908699-CE29-634D-83B5-1061B2BD35A6}" type="datetimeFigureOut">
               <a:rPr lang="en-US" smtClean="0"/>
-              <a:t>2/11/20</a:t>
+              <a:t>2/20/20</a:t>
             </a:fld>
             <a:endParaRPr lang="en-US"/>
           </a:p>
@@ -1055,7 +1055,7 @@
           <a:p>
             <a:fld id="{2B908699-CE29-634D-83B5-1061B2BD35A6}" type="datetimeFigureOut">
               <a:rPr lang="en-US" smtClean="0"/>
-              <a:t>2/11/20</a:t>
+              <a:t>2/20/20</a:t>
             </a:fld>
             <a:endParaRPr lang="en-US"/>
           </a:p>
@@ -1223,7 +1223,7 @@
           <a:p>
             <a:fld id="{2B908699-CE29-634D-83B5-1061B2BD35A6}" type="datetimeFigureOut">
               <a:rPr lang="en-US" smtClean="0"/>
-              <a:t>2/11/20</a:t>
+              <a:t>2/20/20</a:t>
             </a:fld>
             <a:endParaRPr lang="en-US"/>
           </a:p>
@@ -1468,7 +1468,7 @@
           <a:p>
             <a:fld id="{2B908699-CE29-634D-83B5-1061B2BD35A6}" type="datetimeFigureOut">
               <a:rPr lang="en-US" smtClean="0"/>
-              <a:t>2/11/20</a:t>
+              <a:t>2/20/20</a:t>
             </a:fld>
             <a:endParaRPr lang="en-US"/>
           </a:p>
@@ -1697,7 +1697,7 @@
           <a:p>
             <a:fld id="{2B908699-CE29-634D-83B5-1061B2BD35A6}" type="datetimeFigureOut">
               <a:rPr lang="en-US" smtClean="0"/>
-              <a:t>2/11/20</a:t>
+              <a:t>2/20/20</a:t>
             </a:fld>
             <a:endParaRPr lang="en-US"/>
           </a:p>
@@ -2061,7 +2061,7 @@
           <a:p>
             <a:fld id="{2B908699-CE29-634D-83B5-1061B2BD35A6}" type="datetimeFigureOut">
               <a:rPr lang="en-US" smtClean="0"/>
-              <a:t>2/11/20</a:t>
+              <a:t>2/20/20</a:t>
             </a:fld>
             <a:endParaRPr lang="en-US"/>
           </a:p>
@@ -2178,7 +2178,7 @@
           <a:p>
             <a:fld id="{2B908699-CE29-634D-83B5-1061B2BD35A6}" type="datetimeFigureOut">
               <a:rPr lang="en-US" smtClean="0"/>
-              <a:t>2/11/20</a:t>
+              <a:t>2/20/20</a:t>
             </a:fld>
             <a:endParaRPr lang="en-US"/>
           </a:p>
@@ -2273,7 +2273,7 @@
           <a:p>
             <a:fld id="{2B908699-CE29-634D-83B5-1061B2BD35A6}" type="datetimeFigureOut">
               <a:rPr lang="en-US" smtClean="0"/>
-              <a:t>2/11/20</a:t>
+              <a:t>2/20/20</a:t>
             </a:fld>
             <a:endParaRPr lang="en-US"/>
           </a:p>
@@ -2548,7 +2548,7 @@
           <a:p>
             <a:fld id="{2B908699-CE29-634D-83B5-1061B2BD35A6}" type="datetimeFigureOut">
               <a:rPr lang="en-US" smtClean="0"/>
-              <a:t>2/11/20</a:t>
+              <a:t>2/20/20</a:t>
             </a:fld>
             <a:endParaRPr lang="en-US"/>
           </a:p>
@@ -2800,7 +2800,7 @@
           <a:p>
             <a:fld id="{2B908699-CE29-634D-83B5-1061B2BD35A6}" type="datetimeFigureOut">
               <a:rPr lang="en-US" smtClean="0"/>
-              <a:t>2/11/20</a:t>
+              <a:t>2/20/20</a:t>
             </a:fld>
             <a:endParaRPr lang="en-US"/>
           </a:p>
@@ -3011,7 +3011,7 @@
           <a:p>
             <a:fld id="{2B908699-CE29-634D-83B5-1061B2BD35A6}" type="datetimeFigureOut">
               <a:rPr lang="en-US" smtClean="0"/>
-              <a:t>2/11/20</a:t>
+              <a:t>2/20/20</a:t>
             </a:fld>
             <a:endParaRPr lang="en-US"/>
           </a:p>
